--- a/When You Walk Into The Room - Jesus Culture.pptx
+++ b/When You Walk Into The Room - Jesus Culture.pptx
@@ -308,7 +308,7 @@
             <a:fld id="{2AC3A44C-02FB-4EDE-9774-EECC82FB7A05}" type="datetimeFigureOut">
               <a:rPr lang="en-US" smtClean="0"/>
               <a:pPr/>
-              <a:t>2/23/2019</a:t>
+              <a:t>3/9/2019</a:t>
             </a:fld>
             <a:endParaRPr lang="en-US"/>
           </a:p>
@@ -473,7 +473,7 @@
             <a:fld id="{2AC3A44C-02FB-4EDE-9774-EECC82FB7A05}" type="datetimeFigureOut">
               <a:rPr lang="en-US" smtClean="0"/>
               <a:pPr/>
-              <a:t>2/23/2019</a:t>
+              <a:t>3/9/2019</a:t>
             </a:fld>
             <a:endParaRPr lang="en-US"/>
           </a:p>
@@ -648,7 +648,7 @@
             <a:fld id="{2AC3A44C-02FB-4EDE-9774-EECC82FB7A05}" type="datetimeFigureOut">
               <a:rPr lang="en-US" smtClean="0"/>
               <a:pPr/>
-              <a:t>2/23/2019</a:t>
+              <a:t>3/9/2019</a:t>
             </a:fld>
             <a:endParaRPr lang="en-US"/>
           </a:p>
@@ -813,7 +813,7 @@
             <a:fld id="{2AC3A44C-02FB-4EDE-9774-EECC82FB7A05}" type="datetimeFigureOut">
               <a:rPr lang="en-US" smtClean="0"/>
               <a:pPr/>
-              <a:t>2/23/2019</a:t>
+              <a:t>3/9/2019</a:t>
             </a:fld>
             <a:endParaRPr lang="en-US"/>
           </a:p>
@@ -1055,7 +1055,7 @@
             <a:fld id="{2AC3A44C-02FB-4EDE-9774-EECC82FB7A05}" type="datetimeFigureOut">
               <a:rPr lang="en-US" smtClean="0"/>
               <a:pPr/>
-              <a:t>2/23/2019</a:t>
+              <a:t>3/9/2019</a:t>
             </a:fld>
             <a:endParaRPr lang="en-US"/>
           </a:p>
@@ -1337,7 +1337,7 @@
             <a:fld id="{2AC3A44C-02FB-4EDE-9774-EECC82FB7A05}" type="datetimeFigureOut">
               <a:rPr lang="en-US" smtClean="0"/>
               <a:pPr/>
-              <a:t>2/23/2019</a:t>
+              <a:t>3/9/2019</a:t>
             </a:fld>
             <a:endParaRPr lang="en-US"/>
           </a:p>
@@ -1753,7 +1753,7 @@
             <a:fld id="{2AC3A44C-02FB-4EDE-9774-EECC82FB7A05}" type="datetimeFigureOut">
               <a:rPr lang="en-US" smtClean="0"/>
               <a:pPr/>
-              <a:t>2/23/2019</a:t>
+              <a:t>3/9/2019</a:t>
             </a:fld>
             <a:endParaRPr lang="en-US"/>
           </a:p>
@@ -1867,7 +1867,7 @@
             <a:fld id="{2AC3A44C-02FB-4EDE-9774-EECC82FB7A05}" type="datetimeFigureOut">
               <a:rPr lang="en-US" smtClean="0"/>
               <a:pPr/>
-              <a:t>2/23/2019</a:t>
+              <a:t>3/9/2019</a:t>
             </a:fld>
             <a:endParaRPr lang="en-US"/>
           </a:p>
@@ -1959,7 +1959,7 @@
             <a:fld id="{2AC3A44C-02FB-4EDE-9774-EECC82FB7A05}" type="datetimeFigureOut">
               <a:rPr lang="en-US" smtClean="0"/>
               <a:pPr/>
-              <a:t>2/23/2019</a:t>
+              <a:t>3/9/2019</a:t>
             </a:fld>
             <a:endParaRPr lang="en-US"/>
           </a:p>
@@ -2231,7 +2231,7 @@
             <a:fld id="{2AC3A44C-02FB-4EDE-9774-EECC82FB7A05}" type="datetimeFigureOut">
               <a:rPr lang="en-US" smtClean="0"/>
               <a:pPr/>
-              <a:t>2/23/2019</a:t>
+              <a:t>3/9/2019</a:t>
             </a:fld>
             <a:endParaRPr lang="en-US"/>
           </a:p>
@@ -2480,7 +2480,7 @@
             <a:fld id="{2AC3A44C-02FB-4EDE-9774-EECC82FB7A05}" type="datetimeFigureOut">
               <a:rPr lang="en-US" smtClean="0"/>
               <a:pPr/>
-              <a:t>2/23/2019</a:t>
+              <a:t>3/9/2019</a:t>
             </a:fld>
             <a:endParaRPr lang="en-US"/>
           </a:p>
@@ -2691,7 +2691,7 @@
             <a:fld id="{2AC3A44C-02FB-4EDE-9774-EECC82FB7A05}" type="datetimeFigureOut">
               <a:rPr lang="en-US" smtClean="0"/>
               <a:pPr/>
-              <a:t>2/23/2019</a:t>
+              <a:t>3/9/2019</a:t>
             </a:fld>
             <a:endParaRPr lang="en-US"/>
           </a:p>
@@ -3238,7 +3238,27 @@
                 <a:latin typeface="Arial" charset="0"/>
                 <a:cs typeface="Times New Roman" pitchFamily="18" charset="0"/>
               </a:rPr>
-              <a:t>At the light You bring</a:t>
+              <a:t>At the </a:t>
+            </a:r>
+            <a:r>
+              <a:rPr lang="en-US" b="1">
+                <a:solidFill>
+                  <a:schemeClr val="bg1"/>
+                </a:solidFill>
+                <a:latin typeface="Arial" charset="0"/>
+                <a:cs typeface="Times New Roman" pitchFamily="18" charset="0"/>
+              </a:rPr>
+              <a:t>light that You </a:t>
+            </a:r>
+            <a:r>
+              <a:rPr lang="en-US" b="1" dirty="0">
+                <a:solidFill>
+                  <a:schemeClr val="bg1"/>
+                </a:solidFill>
+                <a:latin typeface="Arial" charset="0"/>
+                <a:cs typeface="Times New Roman" pitchFamily="18" charset="0"/>
+              </a:rPr>
+              <a:t>bring</a:t>
             </a:r>
           </a:p>
         </p:txBody>
